--- a/2-3_Logistic_Regression.pptx
+++ b/2-3_Logistic_Regression.pptx
@@ -111,6 +111,11 @@
       </a:defRPr>
     </a:lvl9pPr>
   </p:defaultTextStyle>
+  <p:extLst>
+    <p:ext uri="{EFAFB233-063F-42B5-8137-9DF3F51BA10A}">
+      <p15:sldGuideLst xmlns:p15="http://schemas.microsoft.com/office/powerpoint/2012/main"/>
+    </p:ext>
+  </p:extLst>
 </p:presentation>
 </file>
 
@@ -261,7 +266,7 @@
           <a:p>
             <a:fld id="{357C46EC-369B-4BD9-9B98-478847F6FFB9}" type="datetimeFigureOut">
               <a:rPr lang="ko-KR" altLang="en-US" smtClean="0"/>
-              <a:t>2022-03-31</a:t>
+              <a:t>2022-04-04</a:t>
             </a:fld>
             <a:endParaRPr lang="ko-KR" altLang="en-US"/>
           </a:p>
@@ -459,7 +464,7 @@
           <a:p>
             <a:fld id="{357C46EC-369B-4BD9-9B98-478847F6FFB9}" type="datetimeFigureOut">
               <a:rPr lang="ko-KR" altLang="en-US" smtClean="0"/>
-              <a:t>2022-03-31</a:t>
+              <a:t>2022-04-04</a:t>
             </a:fld>
             <a:endParaRPr lang="ko-KR" altLang="en-US"/>
           </a:p>
@@ -667,7 +672,7 @@
           <a:p>
             <a:fld id="{357C46EC-369B-4BD9-9B98-478847F6FFB9}" type="datetimeFigureOut">
               <a:rPr lang="ko-KR" altLang="en-US" smtClean="0"/>
-              <a:t>2022-03-31</a:t>
+              <a:t>2022-04-04</a:t>
             </a:fld>
             <a:endParaRPr lang="ko-KR" altLang="en-US"/>
           </a:p>
@@ -865,7 +870,7 @@
           <a:p>
             <a:fld id="{357C46EC-369B-4BD9-9B98-478847F6FFB9}" type="datetimeFigureOut">
               <a:rPr lang="ko-KR" altLang="en-US" smtClean="0"/>
-              <a:t>2022-03-31</a:t>
+              <a:t>2022-04-04</a:t>
             </a:fld>
             <a:endParaRPr lang="ko-KR" altLang="en-US"/>
           </a:p>
@@ -1140,7 +1145,7 @@
           <a:p>
             <a:fld id="{357C46EC-369B-4BD9-9B98-478847F6FFB9}" type="datetimeFigureOut">
               <a:rPr lang="ko-KR" altLang="en-US" smtClean="0"/>
-              <a:t>2022-03-31</a:t>
+              <a:t>2022-04-04</a:t>
             </a:fld>
             <a:endParaRPr lang="ko-KR" altLang="en-US"/>
           </a:p>
@@ -1405,7 +1410,7 @@
           <a:p>
             <a:fld id="{357C46EC-369B-4BD9-9B98-478847F6FFB9}" type="datetimeFigureOut">
               <a:rPr lang="ko-KR" altLang="en-US" smtClean="0"/>
-              <a:t>2022-03-31</a:t>
+              <a:t>2022-04-04</a:t>
             </a:fld>
             <a:endParaRPr lang="ko-KR" altLang="en-US"/>
           </a:p>
@@ -1817,7 +1822,7 @@
           <a:p>
             <a:fld id="{357C46EC-369B-4BD9-9B98-478847F6FFB9}" type="datetimeFigureOut">
               <a:rPr lang="ko-KR" altLang="en-US" smtClean="0"/>
-              <a:t>2022-03-31</a:t>
+              <a:t>2022-04-04</a:t>
             </a:fld>
             <a:endParaRPr lang="ko-KR" altLang="en-US"/>
           </a:p>
@@ -1958,7 +1963,7 @@
           <a:p>
             <a:fld id="{357C46EC-369B-4BD9-9B98-478847F6FFB9}" type="datetimeFigureOut">
               <a:rPr lang="ko-KR" altLang="en-US" smtClean="0"/>
-              <a:t>2022-03-31</a:t>
+              <a:t>2022-04-04</a:t>
             </a:fld>
             <a:endParaRPr lang="ko-KR" altLang="en-US"/>
           </a:p>
@@ -2071,7 +2076,7 @@
           <a:p>
             <a:fld id="{357C46EC-369B-4BD9-9B98-478847F6FFB9}" type="datetimeFigureOut">
               <a:rPr lang="ko-KR" altLang="en-US" smtClean="0"/>
-              <a:t>2022-03-31</a:t>
+              <a:t>2022-04-04</a:t>
             </a:fld>
             <a:endParaRPr lang="ko-KR" altLang="en-US"/>
           </a:p>
@@ -2382,7 +2387,7 @@
           <a:p>
             <a:fld id="{357C46EC-369B-4BD9-9B98-478847F6FFB9}" type="datetimeFigureOut">
               <a:rPr lang="ko-KR" altLang="en-US" smtClean="0"/>
-              <a:t>2022-03-31</a:t>
+              <a:t>2022-04-04</a:t>
             </a:fld>
             <a:endParaRPr lang="ko-KR" altLang="en-US"/>
           </a:p>
@@ -2670,7 +2675,7 @@
           <a:p>
             <a:fld id="{357C46EC-369B-4BD9-9B98-478847F6FFB9}" type="datetimeFigureOut">
               <a:rPr lang="ko-KR" altLang="en-US" smtClean="0"/>
-              <a:t>2022-03-31</a:t>
+              <a:t>2022-04-04</a:t>
             </a:fld>
             <a:endParaRPr lang="ko-KR" altLang="en-US"/>
           </a:p>
@@ -2911,7 +2916,7 @@
           <a:p>
             <a:fld id="{357C46EC-369B-4BD9-9B98-478847F6FFB9}" type="datetimeFigureOut">
               <a:rPr lang="ko-KR" altLang="en-US" smtClean="0"/>
-              <a:t>2022-03-31</a:t>
+              <a:t>2022-04-04</a:t>
             </a:fld>
             <a:endParaRPr lang="ko-KR" altLang="en-US"/>
           </a:p>
@@ -4052,6 +4057,12 @@
                         </m:r>
                       </m:num>
                       <m:den>
+                        <m:r>
+                          <a:rPr lang="en-US" altLang="ko-KR" b="0" i="1" smtClean="0">
+                            <a:latin typeface="Cambria Math" panose="02040503050406030204" pitchFamily="18" charset="0"/>
+                          </a:rPr>
+                          <m:t>1+</m:t>
+                        </m:r>
                         <m:sSup>
                           <m:sSupPr>
                             <m:ctrlPr>
@@ -4364,8 +4375,8 @@
           </a:prstGeom>
         </p:spPr>
       </p:pic>
-      <mc:AlternateContent xmlns:mc="http://schemas.openxmlformats.org/markup-compatibility/2006">
-        <mc:Choice xmlns:a14="http://schemas.microsoft.com/office/drawing/2010/main" Requires="a14">
+      <mc:AlternateContent xmlns:mc="http://schemas.openxmlformats.org/markup-compatibility/2006" xmlns:a14="http://schemas.microsoft.com/office/drawing/2010/main">
+        <mc:Choice Requires="a14">
           <p:sp>
             <p:nvSpPr>
               <p:cNvPr id="4" name="내용 개체 틀 3">
@@ -4574,7 +4585,7 @@
             </p:txBody>
           </p:sp>
         </mc:Choice>
-        <mc:Fallback>
+        <mc:Fallback xmlns="">
           <p:sp>
             <p:nvSpPr>
               <p:cNvPr id="4" name="내용 개체 틀 3">

--- a/2-3_Logistic_Regression.pptx
+++ b/2-3_Logistic_Regression.pptx
@@ -266,7 +266,7 @@
           <a:p>
             <a:fld id="{357C46EC-369B-4BD9-9B98-478847F6FFB9}" type="datetimeFigureOut">
               <a:rPr lang="ko-KR" altLang="en-US" smtClean="0"/>
-              <a:t>2022-04-04</a:t>
+              <a:t>2022-04-12</a:t>
             </a:fld>
             <a:endParaRPr lang="ko-KR" altLang="en-US"/>
           </a:p>
@@ -464,7 +464,7 @@
           <a:p>
             <a:fld id="{357C46EC-369B-4BD9-9B98-478847F6FFB9}" type="datetimeFigureOut">
               <a:rPr lang="ko-KR" altLang="en-US" smtClean="0"/>
-              <a:t>2022-04-04</a:t>
+              <a:t>2022-04-12</a:t>
             </a:fld>
             <a:endParaRPr lang="ko-KR" altLang="en-US"/>
           </a:p>
@@ -672,7 +672,7 @@
           <a:p>
             <a:fld id="{357C46EC-369B-4BD9-9B98-478847F6FFB9}" type="datetimeFigureOut">
               <a:rPr lang="ko-KR" altLang="en-US" smtClean="0"/>
-              <a:t>2022-04-04</a:t>
+              <a:t>2022-04-12</a:t>
             </a:fld>
             <a:endParaRPr lang="ko-KR" altLang="en-US"/>
           </a:p>
@@ -870,7 +870,7 @@
           <a:p>
             <a:fld id="{357C46EC-369B-4BD9-9B98-478847F6FFB9}" type="datetimeFigureOut">
               <a:rPr lang="ko-KR" altLang="en-US" smtClean="0"/>
-              <a:t>2022-04-04</a:t>
+              <a:t>2022-04-12</a:t>
             </a:fld>
             <a:endParaRPr lang="ko-KR" altLang="en-US"/>
           </a:p>
@@ -1145,7 +1145,7 @@
           <a:p>
             <a:fld id="{357C46EC-369B-4BD9-9B98-478847F6FFB9}" type="datetimeFigureOut">
               <a:rPr lang="ko-KR" altLang="en-US" smtClean="0"/>
-              <a:t>2022-04-04</a:t>
+              <a:t>2022-04-12</a:t>
             </a:fld>
             <a:endParaRPr lang="ko-KR" altLang="en-US"/>
           </a:p>
@@ -1410,7 +1410,7 @@
           <a:p>
             <a:fld id="{357C46EC-369B-4BD9-9B98-478847F6FFB9}" type="datetimeFigureOut">
               <a:rPr lang="ko-KR" altLang="en-US" smtClean="0"/>
-              <a:t>2022-04-04</a:t>
+              <a:t>2022-04-12</a:t>
             </a:fld>
             <a:endParaRPr lang="ko-KR" altLang="en-US"/>
           </a:p>
@@ -1822,7 +1822,7 @@
           <a:p>
             <a:fld id="{357C46EC-369B-4BD9-9B98-478847F6FFB9}" type="datetimeFigureOut">
               <a:rPr lang="ko-KR" altLang="en-US" smtClean="0"/>
-              <a:t>2022-04-04</a:t>
+              <a:t>2022-04-12</a:t>
             </a:fld>
             <a:endParaRPr lang="ko-KR" altLang="en-US"/>
           </a:p>
@@ -1963,7 +1963,7 @@
           <a:p>
             <a:fld id="{357C46EC-369B-4BD9-9B98-478847F6FFB9}" type="datetimeFigureOut">
               <a:rPr lang="ko-KR" altLang="en-US" smtClean="0"/>
-              <a:t>2022-04-04</a:t>
+              <a:t>2022-04-12</a:t>
             </a:fld>
             <a:endParaRPr lang="ko-KR" altLang="en-US"/>
           </a:p>
@@ -2076,7 +2076,7 @@
           <a:p>
             <a:fld id="{357C46EC-369B-4BD9-9B98-478847F6FFB9}" type="datetimeFigureOut">
               <a:rPr lang="ko-KR" altLang="en-US" smtClean="0"/>
-              <a:t>2022-04-04</a:t>
+              <a:t>2022-04-12</a:t>
             </a:fld>
             <a:endParaRPr lang="ko-KR" altLang="en-US"/>
           </a:p>
@@ -2387,7 +2387,7 @@
           <a:p>
             <a:fld id="{357C46EC-369B-4BD9-9B98-478847F6FFB9}" type="datetimeFigureOut">
               <a:rPr lang="ko-KR" altLang="en-US" smtClean="0"/>
-              <a:t>2022-04-04</a:t>
+              <a:t>2022-04-12</a:t>
             </a:fld>
             <a:endParaRPr lang="ko-KR" altLang="en-US"/>
           </a:p>
@@ -2675,7 +2675,7 @@
           <a:p>
             <a:fld id="{357C46EC-369B-4BD9-9B98-478847F6FFB9}" type="datetimeFigureOut">
               <a:rPr lang="ko-KR" altLang="en-US" smtClean="0"/>
-              <a:t>2022-04-04</a:t>
+              <a:t>2022-04-12</a:t>
             </a:fld>
             <a:endParaRPr lang="ko-KR" altLang="en-US"/>
           </a:p>
@@ -2916,7 +2916,7 @@
           <a:p>
             <a:fld id="{357C46EC-369B-4BD9-9B98-478847F6FFB9}" type="datetimeFigureOut">
               <a:rPr lang="ko-KR" altLang="en-US" smtClean="0"/>
-              <a:t>2022-04-04</a:t>
+              <a:t>2022-04-12</a:t>
             </a:fld>
             <a:endParaRPr lang="ko-KR" altLang="en-US"/>
           </a:p>
@@ -3427,6 +3427,52 @@
           </a:prstGeom>
         </p:spPr>
       </p:pic>
+      <p:sp>
+        <p:nvSpPr>
+          <p:cNvPr id="5" name="TextBox 4">
+            <a:extLst>
+              <a:ext uri="{FF2B5EF4-FFF2-40B4-BE49-F238E27FC236}">
+                <a16:creationId xmlns:a16="http://schemas.microsoft.com/office/drawing/2014/main" id="{C66FC1C0-0F38-46D7-9FC3-9C5F219BE970}"/>
+              </a:ext>
+            </a:extLst>
+          </p:cNvPr>
+          <p:cNvSpPr txBox="1"/>
+          <p:nvPr/>
+        </p:nvSpPr>
+        <p:spPr>
+          <a:xfrm>
+            <a:off x="0" y="6211669"/>
+            <a:ext cx="2805576" cy="646331"/>
+          </a:xfrm>
+          <a:prstGeom prst="rect">
+            <a:avLst/>
+          </a:prstGeom>
+          <a:noFill/>
+        </p:spPr>
+        <p:txBody>
+          <a:bodyPr wrap="none" rtlCol="0">
+            <a:spAutoFit/>
+          </a:bodyPr>
+          <a:lstStyle/>
+          <a:p>
+            <a:r>
+              <a:rPr lang="ko-KR" altLang="en-US" dirty="0"/>
+              <a:t>경희대학교 컴퓨터공학과</a:t>
+            </a:r>
+            <a:endParaRPr lang="en-US" altLang="ko-KR" dirty="0"/>
+          </a:p>
+          <a:p>
+            <a:r>
+              <a:rPr lang="en-US" altLang="ko-KR" dirty="0"/>
+              <a:t>2019102191 </a:t>
+            </a:r>
+            <a:r>
+              <a:rPr lang="ko-KR" altLang="en-US" dirty="0"/>
+              <a:t>신주영</a:t>
+            </a:r>
+          </a:p>
+        </p:txBody>
+      </p:sp>
     </p:spTree>
     <p:extLst>
       <p:ext uri="{BB962C8B-B14F-4D97-AF65-F5344CB8AC3E}">
@@ -3782,8 +3828,8 @@
           </a:prstGeom>
         </p:spPr>
       </p:pic>
-      <mc:AlternateContent xmlns:mc="http://schemas.openxmlformats.org/markup-compatibility/2006">
-        <mc:Choice xmlns:a14="http://schemas.microsoft.com/office/drawing/2010/main" Requires="a14">
+      <mc:AlternateContent xmlns:mc="http://schemas.openxmlformats.org/markup-compatibility/2006" xmlns:a14="http://schemas.microsoft.com/office/drawing/2010/main">
+        <mc:Choice Requires="a14">
           <p:sp>
             <p:nvSpPr>
               <p:cNvPr id="4" name="내용 개체 틀 3">
@@ -4103,7 +4149,7 @@
             </p:txBody>
           </p:sp>
         </mc:Choice>
-        <mc:Fallback>
+        <mc:Fallback xmlns="">
           <p:sp>
             <p:nvSpPr>
               <p:cNvPr id="4" name="내용 개체 틀 3">
